--- a/developer-for-a-day.pptx
+++ b/developer-for-a-day.pptx
@@ -431,7 +431,7 @@
                   <a:schemeClr val="tx2"/>
                 </a:solidFill>
               </a:rPr>
-              <a:t>12/1/2022</a:t>
+              <a:t>12/2/2022</a:t>
             </a:fld>
             <a:endParaRPr lang="en-US">
               <a:solidFill>
@@ -521,7 +521,7 @@
                   <a:schemeClr val="tx2"/>
                 </a:solidFill>
               </a:rPr>
-              <a:t>‹Nr.›</a:t>
+              <a:t>‹#›</a:t>
             </a:fld>
             <a:endParaRPr lang="en-US">
               <a:solidFill>
@@ -639,7 +639,7 @@
             <a:fld id="{58F5D356-0438-4495-B283-C41E12FE4BD0}" type="datetimeFigureOut">
               <a:rPr lang="en-US" smtClean="0"/>
               <a:pPr/>
-              <a:t>12/1/2022</a:t>
+              <a:t>12/2/2022</a:t>
             </a:fld>
             <a:endParaRPr lang="en-US" dirty="0"/>
           </a:p>
@@ -836,7 +836,7 @@
             <a:fld id="{2081FCD0-0B3F-4662-A1E4-AB7FCE2F39E0}" type="slidenum">
               <a:rPr lang="en-US" smtClean="0"/>
               <a:pPr/>
-              <a:t>‹Nr.›</a:t>
+              <a:t>‹#›</a:t>
             </a:fld>
             <a:endParaRPr lang="en-US" dirty="0"/>
           </a:p>
@@ -1986,7 +1986,7 @@
             <a:fld id="{13CE6DAF-806F-404B-BC68-339BFCB57E5C}" type="slidenum">
               <a:rPr lang="en-US" smtClean="0"/>
               <a:pPr/>
-              <a:t>‹Nr.›</a:t>
+              <a:t>‹#›</a:t>
             </a:fld>
             <a:endParaRPr lang="en-US" dirty="0"/>
           </a:p>
@@ -2295,7 +2295,7 @@
             <a:fld id="{13CE6DAF-806F-404B-BC68-339BFCB57E5C}" type="slidenum">
               <a:rPr lang="en-US" smtClean="0"/>
               <a:pPr/>
-              <a:t>‹Nr.›</a:t>
+              <a:t>‹#›</a:t>
             </a:fld>
             <a:endParaRPr lang="en-US" dirty="0"/>
           </a:p>
@@ -2606,7 +2606,7 @@
             <a:fld id="{13CE6DAF-806F-404B-BC68-339BFCB57E5C}" type="slidenum">
               <a:rPr lang="en-US" smtClean="0"/>
               <a:pPr/>
-              <a:t>‹Nr.›</a:t>
+              <a:t>‹#›</a:t>
             </a:fld>
             <a:endParaRPr lang="en-US" dirty="0"/>
           </a:p>
@@ -3055,7 +3055,7 @@
             <a:fld id="{13CE6DAF-806F-404B-BC68-339BFCB57E5C}" type="slidenum">
               <a:rPr lang="en-US" smtClean="0"/>
               <a:pPr/>
-              <a:t>‹Nr.›</a:t>
+              <a:t>‹#›</a:t>
             </a:fld>
             <a:endParaRPr lang="en-US" dirty="0"/>
           </a:p>
@@ -3450,7 +3450,7 @@
             <a:fld id="{13CE6DAF-806F-404B-BC68-339BFCB57E5C}" type="slidenum">
               <a:rPr lang="en-US" smtClean="0"/>
               <a:pPr/>
-              <a:t>‹Nr.›</a:t>
+              <a:t>‹#›</a:t>
             </a:fld>
             <a:endParaRPr lang="en-US" dirty="0"/>
           </a:p>
@@ -3824,7 +3824,7 @@
             <a:fld id="{13CE6DAF-806F-404B-BC68-339BFCB57E5C}" type="slidenum">
               <a:rPr lang="en-US" smtClean="0"/>
               <a:pPr/>
-              <a:t>‹Nr.›</a:t>
+              <a:t>‹#›</a:t>
             </a:fld>
             <a:endParaRPr lang="en-US" dirty="0"/>
           </a:p>
@@ -4331,7 +4331,7 @@
             <a:fld id="{13CE6DAF-806F-404B-BC68-339BFCB57E5C}" type="slidenum">
               <a:rPr lang="en-US" smtClean="0"/>
               <a:pPr/>
-              <a:t>‹Nr.›</a:t>
+              <a:t>‹#›</a:t>
             </a:fld>
             <a:endParaRPr lang="en-US" dirty="0"/>
           </a:p>
@@ -4644,7 +4644,7 @@
             <a:fld id="{13CE6DAF-806F-404B-BC68-339BFCB57E5C}" type="slidenum">
               <a:rPr lang="en-US" smtClean="0"/>
               <a:pPr/>
-              <a:t>‹Nr.›</a:t>
+              <a:t>‹#›</a:t>
             </a:fld>
             <a:endParaRPr lang="en-US" dirty="0"/>
           </a:p>
@@ -5287,7 +5287,7 @@
             <a:fld id="{13CE6DAF-806F-404B-BC68-339BFCB57E5C}" type="slidenum">
               <a:rPr lang="en-US" smtClean="0"/>
               <a:pPr/>
-              <a:t>‹Nr.›</a:t>
+              <a:t>‹#›</a:t>
             </a:fld>
             <a:endParaRPr lang="en-US" dirty="0"/>
           </a:p>
@@ -5699,7 +5699,7 @@
             <a:fld id="{13CE6DAF-806F-404B-BC68-339BFCB57E5C}" type="slidenum">
               <a:rPr lang="en-US" smtClean="0"/>
               <a:pPr/>
-              <a:t>‹Nr.›</a:t>
+              <a:t>‹#›</a:t>
             </a:fld>
             <a:endParaRPr lang="en-US" dirty="0"/>
           </a:p>
@@ -6449,7 +6449,7 @@
             <a:fld id="{13CE6DAF-806F-404B-BC68-339BFCB57E5C}" type="slidenum">
               <a:rPr lang="en-US" smtClean="0"/>
               <a:pPr/>
-              <a:t>‹Nr.›</a:t>
+              <a:t>‹#›</a:t>
             </a:fld>
             <a:endParaRPr lang="en-US" dirty="0"/>
           </a:p>
@@ -6851,7 +6851,7 @@
             <a:fld id="{13CE6DAF-806F-404B-BC68-339BFCB57E5C}" type="slidenum">
               <a:rPr lang="en-US" smtClean="0"/>
               <a:pPr/>
-              <a:t>‹Nr.›</a:t>
+              <a:t>‹#›</a:t>
             </a:fld>
             <a:endParaRPr lang="en-US" dirty="0"/>
           </a:p>
@@ -7248,7 +7248,7 @@
             <a:fld id="{13CE6DAF-806F-404B-BC68-339BFCB57E5C}" type="slidenum">
               <a:rPr lang="en-US" smtClean="0"/>
               <a:pPr/>
-              <a:t>‹Nr.›</a:t>
+              <a:t>‹#›</a:t>
             </a:fld>
             <a:endParaRPr lang="en-US" dirty="0"/>
           </a:p>
@@ -7536,7 +7536,7 @@
             <a:fld id="{13CE6DAF-806F-404B-BC68-339BFCB57E5C}" type="slidenum">
               <a:rPr lang="en-US" smtClean="0"/>
               <a:pPr/>
-              <a:t>‹Nr.›</a:t>
+              <a:t>‹#›</a:t>
             </a:fld>
             <a:endParaRPr lang="en-US" dirty="0"/>
           </a:p>
@@ -8621,7 +8621,7 @@
             <a:fld id="{13CE6DAF-806F-404B-BC68-339BFCB57E5C}" type="slidenum">
               <a:rPr lang="en-US" smtClean="0"/>
               <a:pPr/>
-              <a:t>‹Nr.›</a:t>
+              <a:t>‹#›</a:t>
             </a:fld>
             <a:endParaRPr lang="en-US" dirty="0"/>
           </a:p>
@@ -10010,7 +10010,7 @@
             <a:fld id="{13CE6DAF-806F-404B-BC68-339BFCB57E5C}" type="slidenum">
               <a:rPr lang="en-US" smtClean="0"/>
               <a:pPr/>
-              <a:t>‹Nr.›</a:t>
+              <a:t>‹#›</a:t>
             </a:fld>
             <a:endParaRPr lang="en-US" dirty="0"/>
           </a:p>
@@ -10409,7 +10409,7 @@
             <a:fld id="{13CE6DAF-806F-404B-BC68-339BFCB57E5C}" type="slidenum">
               <a:rPr lang="en-US" smtClean="0"/>
               <a:pPr/>
-              <a:t>‹Nr.›</a:t>
+              <a:t>‹#›</a:t>
             </a:fld>
             <a:endParaRPr lang="en-US" dirty="0"/>
           </a:p>
@@ -10841,7 +10841,7 @@
             <a:fld id="{13CE6DAF-806F-404B-BC68-339BFCB57E5C}" type="slidenum">
               <a:rPr lang="en-US" smtClean="0"/>
               <a:pPr/>
-              <a:t>‹Nr.›</a:t>
+              <a:t>‹#›</a:t>
             </a:fld>
             <a:endParaRPr lang="en-US" dirty="0"/>
           </a:p>
@@ -11346,7 +11346,7 @@
             <a:fld id="{13CE6DAF-806F-404B-BC68-339BFCB57E5C}" type="slidenum">
               <a:rPr lang="en-US" smtClean="0"/>
               <a:pPr/>
-              <a:t>‹Nr.›</a:t>
+              <a:t>‹#›</a:t>
             </a:fld>
             <a:endParaRPr lang="en-US" dirty="0"/>
           </a:p>
@@ -11670,7 +11670,7 @@
             <a:fld id="{13CE6DAF-806F-404B-BC68-339BFCB57E5C}" type="slidenum">
               <a:rPr lang="en-US" smtClean="0"/>
               <a:pPr/>
-              <a:t>‹Nr.›</a:t>
+              <a:t>‹#›</a:t>
             </a:fld>
             <a:endParaRPr lang="en-US" dirty="0"/>
           </a:p>
@@ -12406,7 +12406,7 @@
             <a:fld id="{13CE6DAF-806F-404B-BC68-339BFCB57E5C}" type="slidenum">
               <a:rPr lang="en-US" smtClean="0"/>
               <a:pPr/>
-              <a:t>‹Nr.›</a:t>
+              <a:t>‹#›</a:t>
             </a:fld>
             <a:endParaRPr lang="en-US" dirty="0"/>
           </a:p>
@@ -12880,7 +12880,7 @@
             <a:fld id="{13CE6DAF-806F-404B-BC68-339BFCB57E5C}" type="slidenum">
               <a:rPr lang="en-US" smtClean="0"/>
               <a:pPr/>
-              <a:t>‹Nr.›</a:t>
+              <a:t>‹#›</a:t>
             </a:fld>
             <a:endParaRPr lang="en-US" dirty="0"/>
           </a:p>
@@ -13670,7 +13670,7 @@
             <a:fld id="{13CE6DAF-806F-404B-BC68-339BFCB57E5C}" type="slidenum">
               <a:rPr lang="en-US" smtClean="0"/>
               <a:pPr/>
-              <a:t>‹Nr.›</a:t>
+              <a:t>‹#›</a:t>
             </a:fld>
             <a:endParaRPr lang="en-US" dirty="0"/>
           </a:p>
@@ -14293,7 +14293,7 @@
             <a:fld id="{13CE6DAF-806F-404B-BC68-339BFCB57E5C}" type="slidenum">
               <a:rPr lang="en-US" smtClean="0"/>
               <a:pPr/>
-              <a:t>‹Nr.›</a:t>
+              <a:t>‹#›</a:t>
             </a:fld>
             <a:endParaRPr lang="en-US" dirty="0"/>
           </a:p>
@@ -15395,7 +15395,7 @@
             <a:fld id="{13CE6DAF-806F-404B-BC68-339BFCB57E5C}" type="slidenum">
               <a:rPr lang="en-US" smtClean="0"/>
               <a:pPr/>
-              <a:t>‹Nr.›</a:t>
+              <a:t>‹#›</a:t>
             </a:fld>
             <a:endParaRPr lang="en-US" dirty="0"/>
           </a:p>
@@ -16411,7 +16411,7 @@
           <a:p>
             <a:fld id="{BF521D1E-1EC1-47BE-BF68-7D12B4354830}" type="slidenum">
               <a:rPr lang="de-DE" smtClean="0"/>
-              <a:t>‹Nr.›</a:t>
+              <a:t>‹#›</a:t>
             </a:fld>
             <a:endParaRPr lang="de-DE"/>
           </a:p>
@@ -16909,7 +16909,7 @@
             <a:fld id="{13CE6DAF-806F-404B-BC68-339BFCB57E5C}" type="slidenum">
               <a:rPr lang="en-US" smtClean="0"/>
               <a:pPr/>
-              <a:t>‹Nr.›</a:t>
+              <a:t>‹#›</a:t>
             </a:fld>
             <a:endParaRPr lang="en-US" dirty="0"/>
           </a:p>
@@ -17410,7 +17410,7 @@
             <a:fld id="{13CE6DAF-806F-404B-BC68-339BFCB57E5C}" type="slidenum">
               <a:rPr lang="en-US" smtClean="0"/>
               <a:pPr/>
-              <a:t>‹Nr.›</a:t>
+              <a:t>‹#›</a:t>
             </a:fld>
             <a:endParaRPr lang="en-US" dirty="0"/>
           </a:p>
@@ -18006,7 +18006,7 @@
             <a:fld id="{13CE6DAF-806F-404B-BC68-339BFCB57E5C}" type="slidenum">
               <a:rPr lang="en-US" smtClean="0"/>
               <a:pPr/>
-              <a:t>‹Nr.›</a:t>
+              <a:t>‹#›</a:t>
             </a:fld>
             <a:endParaRPr lang="en-US" dirty="0"/>
           </a:p>
@@ -18210,7 +18210,7 @@
           <a:p>
             <a:fld id="{13CE6DAF-806F-404B-BC68-339BFCB57E5C}" type="slidenum">
               <a:rPr lang="en-US" smtClean="0"/>
-              <a:t>‹Nr.›</a:t>
+              <a:t>‹#›</a:t>
             </a:fld>
             <a:endParaRPr lang="en-US" dirty="0"/>
           </a:p>
@@ -18415,7 +18415,7 @@
           <a:p>
             <a:fld id="{13CE6DAF-806F-404B-BC68-339BFCB57E5C}" type="slidenum">
               <a:rPr lang="en-US" smtClean="0"/>
-              <a:t>‹Nr.›</a:t>
+              <a:t>‹#›</a:t>
             </a:fld>
             <a:endParaRPr lang="en-US" dirty="0"/>
           </a:p>
@@ -18600,7 +18600,7 @@
             <a:fld id="{13CE6DAF-806F-404B-BC68-339BFCB57E5C}" type="slidenum">
               <a:rPr lang="en-US" smtClean="0"/>
               <a:pPr/>
-              <a:t>‹Nr.›</a:t>
+              <a:t>‹#›</a:t>
             </a:fld>
             <a:endParaRPr lang="en-US" dirty="0"/>
           </a:p>
@@ -18917,7 +18917,7 @@
             <a:fld id="{13CE6DAF-806F-404B-BC68-339BFCB57E5C}" type="slidenum">
               <a:rPr lang="en-US" smtClean="0"/>
               <a:pPr/>
-              <a:t>‹Nr.›</a:t>
+              <a:t>‹#›</a:t>
             </a:fld>
             <a:endParaRPr lang="en-US" dirty="0"/>
           </a:p>
@@ -20166,6 +20166,15 @@
             </a:r>
           </a:p>
           <a:p>
+            <a:r>
+              <a:rPr lang="de-DE" dirty="0">
+                <a:solidFill>
+                  <a:schemeClr val="tx1"/>
+                </a:solidFill>
+                <a:latin typeface="Consolas" panose="020B0609020204030204" pitchFamily="49" charset="0"/>
+              </a:rPr>
+              <a:t/>
+            </a:r>
             <a:br>
               <a:rPr lang="de-DE" dirty="0">
                 <a:solidFill>
@@ -27627,6 +27636,10 @@
               <a:rPr lang="de-DE" sz="1600" dirty="0"/>
               <a:t> UI …</a:t>
             </a:r>
+            <a:r>
+              <a:rPr lang="de-DE" sz="1600" b="1" dirty="0"/>
+              <a:t/>
+            </a:r>
             <a:br>
               <a:rPr lang="de-DE" sz="1600" b="1" dirty="0"/>
             </a:br>
@@ -28101,11 +28114,17 @@
             </a:pPr>
             <a:r>
               <a:rPr lang="en-US" sz="1600" dirty="0">
-                <a:hlinkClick r:id="rId6" tooltip="https://quarkus.io/guides/hibernate-orm"/>
-              </a:rPr>
-              <a:t>https://quarkus.io/guides/hibernate-orm</a:t>
-            </a:r>
-            <a:endParaRPr lang="en-US" sz="1600" dirty="0"/>
+                <a:hlinkClick r:id="rId6"/>
+              </a:rPr>
+              <a:t>https://</a:t>
+            </a:r>
+            <a:r>
+              <a:rPr lang="en-US" sz="1600" dirty="0" smtClean="0">
+                <a:hlinkClick r:id="rId6"/>
+              </a:rPr>
+              <a:t>quarkus.io/guides/hibernate-orm-panache</a:t>
+            </a:r>
+            <a:endParaRPr lang="en-US" sz="1600" dirty="0" smtClean="0"/>
           </a:p>
         </p:txBody>
       </p:sp>
@@ -39165,6 +39184,15 @@
             </a:r>
           </a:p>
           <a:p>
+            <a:r>
+              <a:rPr lang="en-US" dirty="0">
+                <a:solidFill>
+                  <a:schemeClr val="tx1"/>
+                </a:solidFill>
+                <a:latin typeface="Consolas" panose="020B0609020204030204" pitchFamily="49" charset="0"/>
+              </a:rPr>
+              <a:t/>
+            </a:r>
             <a:br>
               <a:rPr lang="en-US" dirty="0">
                 <a:solidFill>
@@ -39302,6 +39330,16 @@
             </a:r>
           </a:p>
           <a:p>
+            <a:r>
+              <a:rPr lang="en-US" b="0" dirty="0">
+                <a:solidFill>
+                  <a:schemeClr val="tx1"/>
+                </a:solidFill>
+                <a:effectLst/>
+                <a:latin typeface="Consolas" panose="020B0609020204030204" pitchFamily="49" charset="0"/>
+              </a:rPr>
+              <a:t/>
+            </a:r>
             <a:br>
               <a:rPr lang="en-US" b="0" dirty="0">
                 <a:solidFill>
@@ -39685,6 +39723,15 @@
                 <a:latin typeface="Consolas" panose="020B0609020204030204" pitchFamily="49" charset="0"/>
               </a:rPr>
               <a:t>hello-world-interpolation.component.ts</a:t>
+            </a:r>
+            <a:r>
+              <a:rPr lang="de-DE" dirty="0">
+                <a:solidFill>
+                  <a:schemeClr val="tx1"/>
+                </a:solidFill>
+                <a:latin typeface="Consolas" panose="020B0609020204030204" pitchFamily="49" charset="0"/>
+              </a:rPr>
+              <a:t/>
             </a:r>
             <a:br>
               <a:rPr lang="de-DE" dirty="0">
@@ -41136,12 +41183,6 @@
 </file>
 
 <file path=customXml/item1.xml><?xml version="1.0" encoding="utf-8"?>
-<p:properties xmlns:p="http://schemas.microsoft.com/office/2006/metadata/properties" xmlns:xsi="http://www.w3.org/2001/XMLSchema-instance" xmlns:pc="http://schemas.microsoft.com/office/infopath/2007/PartnerControls">
-  <documentManagement/>
-</p:properties>
-</file>
-
-<file path=customXml/item2.xml><?xml version="1.0" encoding="utf-8"?>
 <ct:contentTypeSchema xmlns:ct="http://schemas.microsoft.com/office/2006/metadata/contentType" xmlns:ma="http://schemas.microsoft.com/office/2006/metadata/properties/metaAttributes" ct:_="" ma:_="" ma:contentTypeName="Document" ma:contentTypeID="0x01010057B7FD2EC0349F4C83EE2216AC4BCCED" ma:contentTypeVersion="10" ma:contentTypeDescription="Create a new document." ma:contentTypeScope="" ma:versionID="a6801f6fdfec75a842a31352d57b1aa1">
   <xsd:schema xmlns:xsd="http://www.w3.org/2001/XMLSchema" xmlns:xs="http://www.w3.org/2001/XMLSchema" xmlns:p="http://schemas.microsoft.com/office/2006/metadata/properties" xmlns:ns3="3710523e-5e82-4eff-92e4-e8d80b9bdc80" xmlns:ns4="a025c0e7-2187-4f8f-b317-4dfd18c72324" targetNamespace="http://schemas.microsoft.com/office/2006/metadata/properties" ma:root="true" ma:fieldsID="168628e604d8cb67f0bb8276c5edabe2" ns3:_="" ns4:_="">
     <xsd:import namespace="3710523e-5e82-4eff-92e4-e8d80b9bdc80"/>
@@ -41344,6 +41385,12 @@
 </ct:contentTypeSchema>
 </file>
 
+<file path=customXml/item2.xml><?xml version="1.0" encoding="utf-8"?>
+<p:properties xmlns:p="http://schemas.microsoft.com/office/2006/metadata/properties" xmlns:xsi="http://www.w3.org/2001/XMLSchema-instance" xmlns:pc="http://schemas.microsoft.com/office/infopath/2007/PartnerControls">
+  <documentManagement/>
+</p:properties>
+</file>
+
 <file path=customXml/item3.xml><?xml version="1.0" encoding="utf-8"?>
 <?mso-contentType ?>
 <FormTemplates xmlns="http://schemas.microsoft.com/sharepoint/v3/contenttype/forms">
@@ -41354,23 +41401,6 @@
 </file>
 
 <file path=customXml/itemProps1.xml><?xml version="1.0" encoding="utf-8"?>
-<ds:datastoreItem xmlns:ds="http://schemas.openxmlformats.org/officeDocument/2006/customXml" ds:itemID="{F9DED017-B02F-4DF9-97E5-9DF83488ABF9}">
-  <ds:schemaRefs>
-    <ds:schemaRef ds:uri="http://schemas.microsoft.com/office/2006/documentManagement/types"/>
-    <ds:schemaRef ds:uri="http://purl.org/dc/terms/"/>
-    <ds:schemaRef ds:uri="http://schemas.openxmlformats.org/package/2006/metadata/core-properties"/>
-    <ds:schemaRef ds:uri="http://purl.org/dc/dcmitype/"/>
-    <ds:schemaRef ds:uri="http://schemas.microsoft.com/office/infopath/2007/PartnerControls"/>
-    <ds:schemaRef ds:uri="http://purl.org/dc/elements/1.1/"/>
-    <ds:schemaRef ds:uri="http://schemas.microsoft.com/office/2006/metadata/properties"/>
-    <ds:schemaRef ds:uri="a025c0e7-2187-4f8f-b317-4dfd18c72324"/>
-    <ds:schemaRef ds:uri="3710523e-5e82-4eff-92e4-e8d80b9bdc80"/>
-    <ds:schemaRef ds:uri="http://www.w3.org/XML/1998/namespace"/>
-  </ds:schemaRefs>
-</ds:datastoreItem>
-</file>
-
-<file path=customXml/itemProps2.xml><?xml version="1.0" encoding="utf-8"?>
 <ds:datastoreItem xmlns:ds="http://schemas.openxmlformats.org/officeDocument/2006/customXml" ds:itemID="{AB935C1A-6A0C-4144-BE82-F3B2D53B4AB4}">
   <ds:schemaRefs>
     <ds:schemaRef ds:uri="http://schemas.microsoft.com/office/2006/metadata/contentType"/>
@@ -41389,6 +41419,23 @@
 </ds:datastoreItem>
 </file>
 
+<file path=customXml/itemProps2.xml><?xml version="1.0" encoding="utf-8"?>
+<ds:datastoreItem xmlns:ds="http://schemas.openxmlformats.org/officeDocument/2006/customXml" ds:itemID="{F9DED017-B02F-4DF9-97E5-9DF83488ABF9}">
+  <ds:schemaRefs>
+    <ds:schemaRef ds:uri="http://schemas.microsoft.com/office/2006/documentManagement/types"/>
+    <ds:schemaRef ds:uri="http://purl.org/dc/terms/"/>
+    <ds:schemaRef ds:uri="http://schemas.openxmlformats.org/package/2006/metadata/core-properties"/>
+    <ds:schemaRef ds:uri="http://purl.org/dc/dcmitype/"/>
+    <ds:schemaRef ds:uri="http://schemas.microsoft.com/office/infopath/2007/PartnerControls"/>
+    <ds:schemaRef ds:uri="http://purl.org/dc/elements/1.1/"/>
+    <ds:schemaRef ds:uri="http://schemas.microsoft.com/office/2006/metadata/properties"/>
+    <ds:schemaRef ds:uri="a025c0e7-2187-4f8f-b317-4dfd18c72324"/>
+    <ds:schemaRef ds:uri="3710523e-5e82-4eff-92e4-e8d80b9bdc80"/>
+    <ds:schemaRef ds:uri="http://www.w3.org/XML/1998/namespace"/>
+  </ds:schemaRefs>
+</ds:datastoreItem>
+</file>
+
 <file path=customXml/itemProps3.xml><?xml version="1.0" encoding="utf-8"?>
 <ds:datastoreItem xmlns:ds="http://schemas.openxmlformats.org/officeDocument/2006/customXml" ds:itemID="{4143DBA8-CAC9-4A0D-8B8C-91557CBF00CB}">
   <ds:schemaRefs>
